--- a/slides/Tag-2_4-CI_CD_Aufgaben.pptx
+++ b/slides/Tag-2_4-CI_CD_Aufgaben.pptx
@@ -2451,7 +2451,7 @@
               <a:pPr algn="ctr">
                 <a:defRPr/>
               </a:pPr>
-              <a:t>04.06.2024</a:t>
+              <a:t>05.06.2024</a:t>
             </a:fld>
             <a:endParaRPr lang="de-DE" sz="1000">
               <a:solidFill>
@@ -11001,22 +11001,22 @@
               <a:buChar char="•"/>
             </a:pPr>
             <a:r>
-              <a:rPr lang="de-DE" altLang="de-DE" sz="1400" dirty="0"/>
+              <a:rPr lang="de-DE" altLang="de-DE" sz="1400" u="sng" dirty="0"/>
               <a:t>Einführung in </a:t>
             </a:r>
             <a:r>
-              <a:rPr lang="de-DE" altLang="de-DE" sz="1400" dirty="0" err="1"/>
+              <a:rPr lang="de-DE" altLang="de-DE" sz="1400" u="sng" dirty="0" err="1"/>
               <a:t>GitLab</a:t>
             </a:r>
             <a:r>
-              <a:rPr lang="de-DE" altLang="de-DE" sz="1400" dirty="0"/>
+              <a:rPr lang="de-DE" altLang="de-DE" sz="1400" u="sng" dirty="0"/>
               <a:t> CI/CD &amp; </a:t>
             </a:r>
             <a:r>
-              <a:rPr lang="de-DE" altLang="de-DE" sz="1400" dirty="0" err="1"/>
+              <a:rPr lang="de-DE" altLang="de-DE" sz="1400" u="sng" dirty="0" err="1"/>
               <a:t>gitlab.yml</a:t>
             </a:r>
-            <a:endParaRPr lang="de-DE" altLang="de-DE" sz="1400" dirty="0"/>
+            <a:endParaRPr lang="de-DE" altLang="de-DE" sz="1400" u="sng" dirty="0"/>
           </a:p>
           <a:p>
             <a:pPr lvl="1">
@@ -11024,14 +11024,14 @@
               <a:buChar char="•"/>
             </a:pPr>
             <a:r>
-              <a:rPr lang="de-DE" altLang="de-DE" sz="1400" u="sng" dirty="0"/>
+              <a:rPr lang="de-DE" altLang="de-DE" sz="1400" dirty="0"/>
               <a:t>Grundlagen von </a:t>
             </a:r>
             <a:r>
-              <a:rPr lang="de-DE" altLang="de-DE" sz="1400" u="sng" dirty="0" err="1"/>
+              <a:rPr lang="de-DE" altLang="de-DE" sz="1400" dirty="0" err="1"/>
               <a:t>GitOps</a:t>
             </a:r>
-            <a:endParaRPr lang="de-DE" altLang="de-DE" sz="1400" u="sng" dirty="0"/>
+            <a:endParaRPr lang="de-DE" altLang="de-DE" sz="1400" dirty="0"/>
           </a:p>
           <a:p>
             <a:pPr lvl="1">
